--- a/Electrochemical/graph_temp.pptx
+++ b/Electrochemical/graph_temp.pptx
@@ -8,6 +8,7 @@
     <p:sldId id="256" r:id="rId2"/>
     <p:sldId id="258" r:id="rId3"/>
     <p:sldId id="259" r:id="rId4"/>
+    <p:sldId id="260" r:id="rId5"/>
   </p:sldIdLst>
   <p:sldSz cx="12192000" cy="6858000"/>
   <p:notesSz cx="6858000" cy="9144000"/>
@@ -106,6 +107,11 @@
       </a:defRPr>
     </a:lvl9pPr>
   </p:defaultTextStyle>
+  <p:extLst>
+    <p:ext uri="{EFAFB233-063F-42B5-8137-9DF3F51BA10A}">
+      <p15:sldGuideLst xmlns:p15="http://schemas.microsoft.com/office/powerpoint/2012/main"/>
+    </p:ext>
+  </p:extLst>
 </p:presentation>
 </file>
 
@@ -258,7 +264,7 @@
           <a:p>
             <a:fld id="{B5925262-6996-4202-B59D-0F04FEC47835}" type="datetimeFigureOut">
               <a:rPr lang="en-AU" smtClean="0"/>
-              <a:t>29/11/2021</a:t>
+              <a:t>30/11/2021</a:t>
             </a:fld>
             <a:endParaRPr lang="en-AU"/>
           </a:p>
@@ -458,7 +464,7 @@
           <a:p>
             <a:fld id="{B5925262-6996-4202-B59D-0F04FEC47835}" type="datetimeFigureOut">
               <a:rPr lang="en-AU" smtClean="0"/>
-              <a:t>29/11/2021</a:t>
+              <a:t>30/11/2021</a:t>
             </a:fld>
             <a:endParaRPr lang="en-AU"/>
           </a:p>
@@ -668,7 +674,7 @@
           <a:p>
             <a:fld id="{B5925262-6996-4202-B59D-0F04FEC47835}" type="datetimeFigureOut">
               <a:rPr lang="en-AU" smtClean="0"/>
-              <a:t>29/11/2021</a:t>
+              <a:t>30/11/2021</a:t>
             </a:fld>
             <a:endParaRPr lang="en-AU"/>
           </a:p>
@@ -868,7 +874,7 @@
           <a:p>
             <a:fld id="{B5925262-6996-4202-B59D-0F04FEC47835}" type="datetimeFigureOut">
               <a:rPr lang="en-AU" smtClean="0"/>
-              <a:t>29/11/2021</a:t>
+              <a:t>30/11/2021</a:t>
             </a:fld>
             <a:endParaRPr lang="en-AU"/>
           </a:p>
@@ -1144,7 +1150,7 @@
           <a:p>
             <a:fld id="{B5925262-6996-4202-B59D-0F04FEC47835}" type="datetimeFigureOut">
               <a:rPr lang="en-AU" smtClean="0"/>
-              <a:t>29/11/2021</a:t>
+              <a:t>30/11/2021</a:t>
             </a:fld>
             <a:endParaRPr lang="en-AU"/>
           </a:p>
@@ -1412,7 +1418,7 @@
           <a:p>
             <a:fld id="{B5925262-6996-4202-B59D-0F04FEC47835}" type="datetimeFigureOut">
               <a:rPr lang="en-AU" smtClean="0"/>
-              <a:t>29/11/2021</a:t>
+              <a:t>30/11/2021</a:t>
             </a:fld>
             <a:endParaRPr lang="en-AU"/>
           </a:p>
@@ -1827,7 +1833,7 @@
           <a:p>
             <a:fld id="{B5925262-6996-4202-B59D-0F04FEC47835}" type="datetimeFigureOut">
               <a:rPr lang="en-AU" smtClean="0"/>
-              <a:t>29/11/2021</a:t>
+              <a:t>30/11/2021</a:t>
             </a:fld>
             <a:endParaRPr lang="en-AU"/>
           </a:p>
@@ -1969,7 +1975,7 @@
           <a:p>
             <a:fld id="{B5925262-6996-4202-B59D-0F04FEC47835}" type="datetimeFigureOut">
               <a:rPr lang="en-AU" smtClean="0"/>
-              <a:t>29/11/2021</a:t>
+              <a:t>30/11/2021</a:t>
             </a:fld>
             <a:endParaRPr lang="en-AU"/>
           </a:p>
@@ -2082,7 +2088,7 @@
           <a:p>
             <a:fld id="{B5925262-6996-4202-B59D-0F04FEC47835}" type="datetimeFigureOut">
               <a:rPr lang="en-AU" smtClean="0"/>
-              <a:t>29/11/2021</a:t>
+              <a:t>30/11/2021</a:t>
             </a:fld>
             <a:endParaRPr lang="en-AU"/>
           </a:p>
@@ -2395,7 +2401,7 @@
           <a:p>
             <a:fld id="{B5925262-6996-4202-B59D-0F04FEC47835}" type="datetimeFigureOut">
               <a:rPr lang="en-AU" smtClean="0"/>
-              <a:t>29/11/2021</a:t>
+              <a:t>30/11/2021</a:t>
             </a:fld>
             <a:endParaRPr lang="en-AU"/>
           </a:p>
@@ -2684,7 +2690,7 @@
           <a:p>
             <a:fld id="{B5925262-6996-4202-B59D-0F04FEC47835}" type="datetimeFigureOut">
               <a:rPr lang="en-AU" smtClean="0"/>
-              <a:t>29/11/2021</a:t>
+              <a:t>30/11/2021</a:t>
             </a:fld>
             <a:endParaRPr lang="en-AU"/>
           </a:p>
@@ -2927,7 +2933,7 @@
           <a:p>
             <a:fld id="{B5925262-6996-4202-B59D-0F04FEC47835}" type="datetimeFigureOut">
               <a:rPr lang="en-AU" smtClean="0"/>
-              <a:t>29/11/2021</a:t>
+              <a:t>30/11/2021</a:t>
             </a:fld>
             <a:endParaRPr lang="en-AU"/>
           </a:p>
@@ -3784,114 +3790,34 @@
       </p:cxnSp>
       <p:sp>
         <p:nvSpPr>
-          <p:cNvPr id="6" name="TextBox 5">
-            <a:extLst>
-              <a:ext uri="{FF2B5EF4-FFF2-40B4-BE49-F238E27FC236}">
-                <a16:creationId xmlns:a16="http://schemas.microsoft.com/office/drawing/2014/main" id="{ED9A7589-FD6A-4F87-B815-714654D8E44A}"/>
-              </a:ext>
-            </a:extLst>
-          </p:cNvPr>
-          <p:cNvSpPr txBox="1"/>
+          <p:cNvPr id="3" name="Freeform: Shape 2">
+            <a:extLst>
+              <a:ext uri="{FF2B5EF4-FFF2-40B4-BE49-F238E27FC236}">
+                <a16:creationId xmlns:a16="http://schemas.microsoft.com/office/drawing/2014/main" id="{606A1650-8378-4690-AC63-3B7EC875FAAA}"/>
+              </a:ext>
+            </a:extLst>
+          </p:cNvPr>
+          <p:cNvSpPr/>
           <p:nvPr/>
         </p:nvSpPr>
         <p:spPr>
           <a:xfrm>
-            <a:off x="4763319" y="5125673"/>
-            <a:ext cx="724942" cy="261610"/>
-          </a:xfrm>
-          <a:prstGeom prst="rect">
-            <a:avLst/>
-          </a:prstGeom>
-          <a:noFill/>
-        </p:spPr>
-        <p:txBody>
-          <a:bodyPr wrap="square" rtlCol="0">
-            <a:spAutoFit/>
-          </a:bodyPr>
-          <a:lstStyle/>
-          <a:p>
-            <a:r>
-              <a:rPr lang="en-US" sz="1100" dirty="0">
-                <a:latin typeface="Arial" panose="020B0604020202020204" pitchFamily="34" charset="0"/>
-                <a:cs typeface="Arial" panose="020B0604020202020204" pitchFamily="34" charset="0"/>
-              </a:rPr>
-              <a:t>Time (s)</a:t>
-            </a:r>
-            <a:endParaRPr lang="en-AU" sz="1100" dirty="0">
-              <a:latin typeface="Arial" panose="020B0604020202020204" pitchFamily="34" charset="0"/>
-              <a:cs typeface="Arial" panose="020B0604020202020204" pitchFamily="34" charset="0"/>
-            </a:endParaRPr>
-          </a:p>
-        </p:txBody>
-      </p:sp>
-      <p:sp>
-        <p:nvSpPr>
-          <p:cNvPr id="7" name="TextBox 6">
-            <a:extLst>
-              <a:ext uri="{FF2B5EF4-FFF2-40B4-BE49-F238E27FC236}">
-                <a16:creationId xmlns:a16="http://schemas.microsoft.com/office/drawing/2014/main" id="{A3F85E98-62CF-4CEE-A77C-39E58977C99E}"/>
-              </a:ext>
-            </a:extLst>
-          </p:cNvPr>
-          <p:cNvSpPr txBox="1"/>
-          <p:nvPr/>
-        </p:nvSpPr>
-        <p:spPr>
-          <a:xfrm rot="16200000">
-            <a:off x="3197303" y="3694458"/>
-            <a:ext cx="994544" cy="261610"/>
-          </a:xfrm>
-          <a:prstGeom prst="rect">
-            <a:avLst/>
-          </a:prstGeom>
-          <a:noFill/>
-        </p:spPr>
-        <p:txBody>
-          <a:bodyPr wrap="square" rtlCol="0">
-            <a:spAutoFit/>
-          </a:bodyPr>
-          <a:lstStyle/>
-          <a:p>
-            <a:r>
-              <a:rPr lang="en-US" sz="1100" dirty="0">
-                <a:latin typeface="Arial" panose="020B0604020202020204" pitchFamily="34" charset="0"/>
-                <a:cs typeface="Arial" panose="020B0604020202020204" pitchFamily="34" charset="0"/>
-              </a:rPr>
-              <a:t>Current (µA)</a:t>
-            </a:r>
-            <a:endParaRPr lang="en-AU" sz="1100" dirty="0">
-              <a:latin typeface="Arial" panose="020B0604020202020204" pitchFamily="34" charset="0"/>
-              <a:cs typeface="Arial" panose="020B0604020202020204" pitchFamily="34" charset="0"/>
-            </a:endParaRPr>
-          </a:p>
-        </p:txBody>
-      </p:sp>
-      <p:sp>
-        <p:nvSpPr>
-          <p:cNvPr id="28" name="Freeform: Shape 27">
-            <a:extLst>
-              <a:ext uri="{FF2B5EF4-FFF2-40B4-BE49-F238E27FC236}">
-                <a16:creationId xmlns:a16="http://schemas.microsoft.com/office/drawing/2014/main" id="{D0267DC0-EBDC-4011-8D21-2D905908140A}"/>
-              </a:ext>
-            </a:extLst>
-          </p:cNvPr>
-          <p:cNvSpPr/>
-          <p:nvPr/>
-        </p:nvSpPr>
-        <p:spPr>
-          <a:xfrm>
-            <a:off x="4763319" y="3670300"/>
-            <a:ext cx="669106" cy="1025525"/>
+            <a:off x="4001181" y="3520439"/>
+            <a:ext cx="2241527" cy="1244563"/>
           </a:xfrm>
           <a:custGeom>
             <a:avLst/>
             <a:gdLst>
-              <a:gd name="connsiteX0" fmla="*/ 0 w 403225"/>
-              <a:gd name="connsiteY0" fmla="*/ 3175 h 1025525"/>
-              <a:gd name="connsiteX1" fmla="*/ 206375 w 403225"/>
-              <a:gd name="connsiteY1" fmla="*/ 1025525 h 1025525"/>
-              <a:gd name="connsiteX2" fmla="*/ 403225 w 403225"/>
-              <a:gd name="connsiteY2" fmla="*/ 0 h 1025525"/>
+              <a:gd name="connsiteX0" fmla="*/ 0 w 2409825"/>
+              <a:gd name="connsiteY0" fmla="*/ 6794 h 1356295"/>
+              <a:gd name="connsiteX1" fmla="*/ 815975 w 2409825"/>
+              <a:gd name="connsiteY1" fmla="*/ 203644 h 1356295"/>
+              <a:gd name="connsiteX2" fmla="*/ 1206500 w 2409825"/>
+              <a:gd name="connsiteY2" fmla="*/ 1356169 h 1356295"/>
+              <a:gd name="connsiteX3" fmla="*/ 1558925 w 2409825"/>
+              <a:gd name="connsiteY3" fmla="*/ 276669 h 1356295"/>
+              <a:gd name="connsiteX4" fmla="*/ 2409825 w 2409825"/>
+              <a:gd name="connsiteY4" fmla="*/ 16319 h 1356295"/>
             </a:gdLst>
             <a:ahLst/>
             <a:cxnLst>
@@ -3904,182 +3830,38 @@
               <a:cxn ang="0">
                 <a:pos x="connsiteX2" y="connsiteY2"/>
               </a:cxn>
-            </a:cxnLst>
-            <a:rect l="l" t="t" r="r" b="b"/>
-            <a:pathLst>
-              <a:path w="403225" h="1025525">
-                <a:moveTo>
-                  <a:pt x="0" y="3175"/>
-                </a:moveTo>
-                <a:cubicBezTo>
-                  <a:pt x="69585" y="514614"/>
-                  <a:pt x="139171" y="1026054"/>
-                  <a:pt x="206375" y="1025525"/>
-                </a:cubicBezTo>
-                <a:cubicBezTo>
-                  <a:pt x="273579" y="1024996"/>
-                  <a:pt x="367242" y="135996"/>
-                  <a:pt x="403225" y="0"/>
-                </a:cubicBezTo>
-              </a:path>
-            </a:pathLst>
-          </a:custGeom>
-          <a:noFill/>
-          <a:ln w="57150">
-            <a:solidFill>
-              <a:srgbClr val="0070C0"/>
-            </a:solidFill>
-          </a:ln>
-        </p:spPr>
-        <p:style>
-          <a:lnRef idx="2">
-            <a:schemeClr val="accent1">
-              <a:shade val="50000"/>
-            </a:schemeClr>
-          </a:lnRef>
-          <a:fillRef idx="1">
-            <a:schemeClr val="accent1"/>
-          </a:fillRef>
-          <a:effectRef idx="0">
-            <a:schemeClr val="accent1"/>
-          </a:effectRef>
-          <a:fontRef idx="minor">
-            <a:schemeClr val="lt1"/>
-          </a:fontRef>
-        </p:style>
-        <p:txBody>
-          <a:bodyPr rtlCol="0" anchor="ctr"/>
-          <a:lstStyle/>
-          <a:p>
-            <a:pPr algn="ctr"/>
-            <a:endParaRPr lang="en-AU"/>
-          </a:p>
-        </p:txBody>
-      </p:sp>
-      <p:sp>
-        <p:nvSpPr>
-          <p:cNvPr id="29" name="Freeform: Shape 28">
-            <a:extLst>
-              <a:ext uri="{FF2B5EF4-FFF2-40B4-BE49-F238E27FC236}">
-                <a16:creationId xmlns:a16="http://schemas.microsoft.com/office/drawing/2014/main" id="{FE9AD66E-FF5A-49B2-AAD4-30C134D46800}"/>
-              </a:ext>
-            </a:extLst>
-          </p:cNvPr>
-          <p:cNvSpPr/>
-          <p:nvPr/>
-        </p:nvSpPr>
-        <p:spPr>
-          <a:xfrm>
-            <a:off x="4502944" y="3348041"/>
-            <a:ext cx="262757" cy="330985"/>
-          </a:xfrm>
-          <a:custGeom>
-            <a:avLst/>
-            <a:gdLst>
-              <a:gd name="connsiteX0" fmla="*/ 0 w 498475"/>
-              <a:gd name="connsiteY0" fmla="*/ 0 h 269875"/>
-              <a:gd name="connsiteX1" fmla="*/ 498475 w 498475"/>
-              <a:gd name="connsiteY1" fmla="*/ 269875 h 269875"/>
-            </a:gdLst>
-            <a:ahLst/>
-            <a:cxnLst>
               <a:cxn ang="0">
-                <a:pos x="connsiteX0" y="connsiteY0"/>
+                <a:pos x="connsiteX3" y="connsiteY3"/>
               </a:cxn>
               <a:cxn ang="0">
-                <a:pos x="connsiteX1" y="connsiteY1"/>
+                <a:pos x="connsiteX4" y="connsiteY4"/>
               </a:cxn>
             </a:cxnLst>
             <a:rect l="l" t="t" r="r" b="b"/>
             <a:pathLst>
-              <a:path w="498475" h="269875">
+              <a:path w="2409825" h="1356295">
                 <a:moveTo>
-                  <a:pt x="0" y="0"/>
+                  <a:pt x="0" y="6794"/>
                 </a:moveTo>
                 <a:cubicBezTo>
-                  <a:pt x="196056" y="45773"/>
-                  <a:pt x="392113" y="91546"/>
-                  <a:pt x="498475" y="269875"/>
+                  <a:pt x="307446" y="-7229"/>
+                  <a:pt x="614892" y="-21252"/>
+                  <a:pt x="815975" y="203644"/>
                 </a:cubicBezTo>
-              </a:path>
-            </a:pathLst>
-          </a:custGeom>
-          <a:noFill/>
-          <a:ln w="57150">
-            <a:solidFill>
-              <a:srgbClr val="0070C0"/>
-            </a:solidFill>
-          </a:ln>
-        </p:spPr>
-        <p:style>
-          <a:lnRef idx="2">
-            <a:schemeClr val="accent1">
-              <a:shade val="50000"/>
-            </a:schemeClr>
-          </a:lnRef>
-          <a:fillRef idx="1">
-            <a:schemeClr val="accent1"/>
-          </a:fillRef>
-          <a:effectRef idx="0">
-            <a:schemeClr val="accent1"/>
-          </a:effectRef>
-          <a:fontRef idx="minor">
-            <a:schemeClr val="lt1"/>
-          </a:fontRef>
-        </p:style>
-        <p:txBody>
-          <a:bodyPr rtlCol="0" anchor="ctr"/>
-          <a:lstStyle/>
-          <a:p>
-            <a:pPr algn="ctr"/>
-            <a:endParaRPr lang="en-AU"/>
-          </a:p>
-        </p:txBody>
-      </p:sp>
-      <p:sp>
-        <p:nvSpPr>
-          <p:cNvPr id="30" name="Freeform: Shape 29">
-            <a:extLst>
-              <a:ext uri="{FF2B5EF4-FFF2-40B4-BE49-F238E27FC236}">
-                <a16:creationId xmlns:a16="http://schemas.microsoft.com/office/drawing/2014/main" id="{2F7E44AB-0863-4F9D-96AB-F1CC5DF0105A}"/>
-              </a:ext>
-            </a:extLst>
-          </p:cNvPr>
-          <p:cNvSpPr/>
-          <p:nvPr/>
-        </p:nvSpPr>
-        <p:spPr>
-          <a:xfrm flipH="1">
-            <a:off x="5430043" y="3348041"/>
-            <a:ext cx="262757" cy="330985"/>
-          </a:xfrm>
-          <a:custGeom>
-            <a:avLst/>
-            <a:gdLst>
-              <a:gd name="connsiteX0" fmla="*/ 0 w 498475"/>
-              <a:gd name="connsiteY0" fmla="*/ 0 h 269875"/>
-              <a:gd name="connsiteX1" fmla="*/ 498475 w 498475"/>
-              <a:gd name="connsiteY1" fmla="*/ 269875 h 269875"/>
-            </a:gdLst>
-            <a:ahLst/>
-            <a:cxnLst>
-              <a:cxn ang="0">
-                <a:pos x="connsiteX0" y="connsiteY0"/>
-              </a:cxn>
-              <a:cxn ang="0">
-                <a:pos x="connsiteX1" y="connsiteY1"/>
-              </a:cxn>
-            </a:cxnLst>
-            <a:rect l="l" t="t" r="r" b="b"/>
-            <a:pathLst>
-              <a:path w="498475" h="269875">
-                <a:moveTo>
-                  <a:pt x="0" y="0"/>
-                </a:moveTo>
                 <a:cubicBezTo>
-                  <a:pt x="196056" y="45773"/>
-                  <a:pt x="392113" y="91546"/>
-                  <a:pt x="498475" y="269875"/>
+                  <a:pt x="1017058" y="428540"/>
+                  <a:pt x="1082675" y="1343998"/>
+                  <a:pt x="1206500" y="1356169"/>
+                </a:cubicBezTo>
+                <a:cubicBezTo>
+                  <a:pt x="1330325" y="1368340"/>
+                  <a:pt x="1358371" y="499977"/>
+                  <a:pt x="1558925" y="276669"/>
+                </a:cubicBezTo>
+                <a:cubicBezTo>
+                  <a:pt x="1759479" y="53361"/>
+                  <a:pt x="2084652" y="34840"/>
+                  <a:pt x="2409825" y="16319"/>
                 </a:cubicBezTo>
               </a:path>
             </a:pathLst>
@@ -4816,6 +4598,148 @@
     <p:extLst>
       <p:ext uri="{BB962C8B-B14F-4D97-AF65-F5344CB8AC3E}">
         <p14:creationId xmlns:p14="http://schemas.microsoft.com/office/powerpoint/2010/main" val="3092268516"/>
+      </p:ext>
+    </p:extLst>
+  </p:cSld>
+  <p:clrMapOvr>
+    <a:masterClrMapping/>
+  </p:clrMapOvr>
+</p:sld>
+</file>
+
+<file path=ppt/slides/slide4.xml><?xml version="1.0" encoding="utf-8"?>
+<p:sld xmlns:a="http://schemas.openxmlformats.org/drawingml/2006/main" xmlns:r="http://schemas.openxmlformats.org/officeDocument/2006/relationships" xmlns:p="http://schemas.openxmlformats.org/presentationml/2006/main">
+  <p:cSld>
+    <p:spTree>
+      <p:nvGrpSpPr>
+        <p:cNvPr id="1" name=""/>
+        <p:cNvGrpSpPr/>
+        <p:nvPr/>
+      </p:nvGrpSpPr>
+      <p:grpSpPr>
+        <a:xfrm>
+          <a:off x="0" y="0"/>
+          <a:ext cx="0" cy="0"/>
+          <a:chOff x="0" y="0"/>
+          <a:chExt cx="0" cy="0"/>
+        </a:xfrm>
+      </p:grpSpPr>
+      <p:cxnSp>
+        <p:nvCxnSpPr>
+          <p:cNvPr id="4" name="Straight Arrow Connector 3">
+            <a:extLst>
+              <a:ext uri="{FF2B5EF4-FFF2-40B4-BE49-F238E27FC236}">
+                <a16:creationId xmlns:a16="http://schemas.microsoft.com/office/drawing/2014/main" id="{76450182-D562-4E59-BC28-0DEA933B5B68}"/>
+              </a:ext>
+            </a:extLst>
+          </p:cNvPr>
+          <p:cNvCxnSpPr>
+            <a:cxnSpLocks/>
+          </p:cNvCxnSpPr>
+          <p:nvPr/>
+        </p:nvCxnSpPr>
+        <p:spPr>
+          <a:xfrm>
+            <a:off x="3825380" y="5125673"/>
+            <a:ext cx="2600820" cy="0"/>
+          </a:xfrm>
+          <a:prstGeom prst="straightConnector1">
+            <a:avLst/>
+          </a:prstGeom>
+          <a:ln>
+            <a:tailEnd type="triangle"/>
+          </a:ln>
+        </p:spPr>
+        <p:style>
+          <a:lnRef idx="3">
+            <a:schemeClr val="dk1"/>
+          </a:lnRef>
+          <a:fillRef idx="0">
+            <a:schemeClr val="dk1"/>
+          </a:fillRef>
+          <a:effectRef idx="2">
+            <a:schemeClr val="dk1"/>
+          </a:effectRef>
+          <a:fontRef idx="minor">
+            <a:schemeClr val="tx1"/>
+          </a:fontRef>
+        </p:style>
+      </p:cxnSp>
+      <p:cxnSp>
+        <p:nvCxnSpPr>
+          <p:cNvPr id="5" name="Straight Arrow Connector 4">
+            <a:extLst>
+              <a:ext uri="{FF2B5EF4-FFF2-40B4-BE49-F238E27FC236}">
+                <a16:creationId xmlns:a16="http://schemas.microsoft.com/office/drawing/2014/main" id="{A0F92035-BCD9-44E6-9A12-F265410B9568}"/>
+              </a:ext>
+            </a:extLst>
+          </p:cNvPr>
+          <p:cNvCxnSpPr>
+            <a:cxnSpLocks/>
+          </p:cNvCxnSpPr>
+          <p:nvPr/>
+        </p:nvCxnSpPr>
+        <p:spPr>
+          <a:xfrm rot="16200000">
+            <a:off x="2532660" y="3825263"/>
+            <a:ext cx="2600820" cy="0"/>
+          </a:xfrm>
+          <a:prstGeom prst="straightConnector1">
+            <a:avLst/>
+          </a:prstGeom>
+          <a:ln>
+            <a:tailEnd type="triangle"/>
+          </a:ln>
+        </p:spPr>
+        <p:style>
+          <a:lnRef idx="3">
+            <a:schemeClr val="dk1"/>
+          </a:lnRef>
+          <a:fillRef idx="0">
+            <a:schemeClr val="dk1"/>
+          </a:fillRef>
+          <a:effectRef idx="2">
+            <a:schemeClr val="dk1"/>
+          </a:effectRef>
+          <a:fontRef idx="minor">
+            <a:schemeClr val="tx1"/>
+          </a:fontRef>
+        </p:style>
+      </p:cxnSp>
+      <p:pic>
+        <p:nvPicPr>
+          <p:cNvPr id="11" name="Picture 10">
+            <a:extLst>
+              <a:ext uri="{FF2B5EF4-FFF2-40B4-BE49-F238E27FC236}">
+                <a16:creationId xmlns:a16="http://schemas.microsoft.com/office/drawing/2014/main" id="{628438F9-0C78-456B-B0BB-1674C835DF88}"/>
+              </a:ext>
+            </a:extLst>
+          </p:cNvPr>
+          <p:cNvPicPr>
+            <a:picLocks noChangeAspect="1"/>
+          </p:cNvPicPr>
+          <p:nvPr/>
+        </p:nvPicPr>
+        <p:blipFill>
+          <a:blip r:embed="rId2"/>
+          <a:stretch>
+            <a:fillRect/>
+          </a:stretch>
+        </p:blipFill>
+        <p:spPr>
+          <a:xfrm>
+            <a:off x="3854636" y="2838851"/>
+            <a:ext cx="2549999" cy="2210550"/>
+          </a:xfrm>
+          <a:prstGeom prst="rect">
+            <a:avLst/>
+          </a:prstGeom>
+        </p:spPr>
+      </p:pic>
+    </p:spTree>
+    <p:extLst>
+      <p:ext uri="{BB962C8B-B14F-4D97-AF65-F5344CB8AC3E}">
+        <p14:creationId xmlns:p14="http://schemas.microsoft.com/office/powerpoint/2010/main" val="1892610501"/>
       </p:ext>
     </p:extLst>
   </p:cSld>

--- a/Electrochemical/graph_temp.pptx
+++ b/Electrochemical/graph_temp.pptx
@@ -9,6 +9,8 @@
     <p:sldId id="258" r:id="rId3"/>
     <p:sldId id="259" r:id="rId4"/>
     <p:sldId id="260" r:id="rId5"/>
+    <p:sldId id="261" r:id="rId6"/>
+    <p:sldId id="262" r:id="rId7"/>
   </p:sldIdLst>
   <p:sldSz cx="12192000" cy="6858000"/>
   <p:notesSz cx="6858000" cy="9144000"/>
@@ -264,7 +266,7 @@
           <a:p>
             <a:fld id="{B5925262-6996-4202-B59D-0F04FEC47835}" type="datetimeFigureOut">
               <a:rPr lang="en-AU" smtClean="0"/>
-              <a:t>30/11/2021</a:t>
+              <a:t>1/12/2021</a:t>
             </a:fld>
             <a:endParaRPr lang="en-AU"/>
           </a:p>
@@ -464,7 +466,7 @@
           <a:p>
             <a:fld id="{B5925262-6996-4202-B59D-0F04FEC47835}" type="datetimeFigureOut">
               <a:rPr lang="en-AU" smtClean="0"/>
-              <a:t>30/11/2021</a:t>
+              <a:t>1/12/2021</a:t>
             </a:fld>
             <a:endParaRPr lang="en-AU"/>
           </a:p>
@@ -674,7 +676,7 @@
           <a:p>
             <a:fld id="{B5925262-6996-4202-B59D-0F04FEC47835}" type="datetimeFigureOut">
               <a:rPr lang="en-AU" smtClean="0"/>
-              <a:t>30/11/2021</a:t>
+              <a:t>1/12/2021</a:t>
             </a:fld>
             <a:endParaRPr lang="en-AU"/>
           </a:p>
@@ -874,7 +876,7 @@
           <a:p>
             <a:fld id="{B5925262-6996-4202-B59D-0F04FEC47835}" type="datetimeFigureOut">
               <a:rPr lang="en-AU" smtClean="0"/>
-              <a:t>30/11/2021</a:t>
+              <a:t>1/12/2021</a:t>
             </a:fld>
             <a:endParaRPr lang="en-AU"/>
           </a:p>
@@ -1150,7 +1152,7 @@
           <a:p>
             <a:fld id="{B5925262-6996-4202-B59D-0F04FEC47835}" type="datetimeFigureOut">
               <a:rPr lang="en-AU" smtClean="0"/>
-              <a:t>30/11/2021</a:t>
+              <a:t>1/12/2021</a:t>
             </a:fld>
             <a:endParaRPr lang="en-AU"/>
           </a:p>
@@ -1418,7 +1420,7 @@
           <a:p>
             <a:fld id="{B5925262-6996-4202-B59D-0F04FEC47835}" type="datetimeFigureOut">
               <a:rPr lang="en-AU" smtClean="0"/>
-              <a:t>30/11/2021</a:t>
+              <a:t>1/12/2021</a:t>
             </a:fld>
             <a:endParaRPr lang="en-AU"/>
           </a:p>
@@ -1833,7 +1835,7 @@
           <a:p>
             <a:fld id="{B5925262-6996-4202-B59D-0F04FEC47835}" type="datetimeFigureOut">
               <a:rPr lang="en-AU" smtClean="0"/>
-              <a:t>30/11/2021</a:t>
+              <a:t>1/12/2021</a:t>
             </a:fld>
             <a:endParaRPr lang="en-AU"/>
           </a:p>
@@ -1975,7 +1977,7 @@
           <a:p>
             <a:fld id="{B5925262-6996-4202-B59D-0F04FEC47835}" type="datetimeFigureOut">
               <a:rPr lang="en-AU" smtClean="0"/>
-              <a:t>30/11/2021</a:t>
+              <a:t>1/12/2021</a:t>
             </a:fld>
             <a:endParaRPr lang="en-AU"/>
           </a:p>
@@ -2088,7 +2090,7 @@
           <a:p>
             <a:fld id="{B5925262-6996-4202-B59D-0F04FEC47835}" type="datetimeFigureOut">
               <a:rPr lang="en-AU" smtClean="0"/>
-              <a:t>30/11/2021</a:t>
+              <a:t>1/12/2021</a:t>
             </a:fld>
             <a:endParaRPr lang="en-AU"/>
           </a:p>
@@ -2401,7 +2403,7 @@
           <a:p>
             <a:fld id="{B5925262-6996-4202-B59D-0F04FEC47835}" type="datetimeFigureOut">
               <a:rPr lang="en-AU" smtClean="0"/>
-              <a:t>30/11/2021</a:t>
+              <a:t>1/12/2021</a:t>
             </a:fld>
             <a:endParaRPr lang="en-AU"/>
           </a:p>
@@ -2690,7 +2692,7 @@
           <a:p>
             <a:fld id="{B5925262-6996-4202-B59D-0F04FEC47835}" type="datetimeFigureOut">
               <a:rPr lang="en-AU" smtClean="0"/>
-              <a:t>30/11/2021</a:t>
+              <a:t>1/12/2021</a:t>
             </a:fld>
             <a:endParaRPr lang="en-AU"/>
           </a:p>
@@ -2933,7 +2935,7 @@
           <a:p>
             <a:fld id="{B5925262-6996-4202-B59D-0F04FEC47835}" type="datetimeFigureOut">
               <a:rPr lang="en-AU" smtClean="0"/>
-              <a:t>30/11/2021</a:t>
+              <a:t>1/12/2021</a:t>
             </a:fld>
             <a:endParaRPr lang="en-AU"/>
           </a:p>
@@ -4749,6 +4751,302 @@
 </p:sld>
 </file>
 
+<file path=ppt/slides/slide5.xml><?xml version="1.0" encoding="utf-8"?>
+<p:sld xmlns:a="http://schemas.openxmlformats.org/drawingml/2006/main" xmlns:r="http://schemas.openxmlformats.org/officeDocument/2006/relationships" xmlns:p="http://schemas.openxmlformats.org/presentationml/2006/main">
+  <p:cSld>
+    <p:spTree>
+      <p:nvGrpSpPr>
+        <p:cNvPr id="1" name=""/>
+        <p:cNvGrpSpPr/>
+        <p:nvPr/>
+      </p:nvGrpSpPr>
+      <p:grpSpPr>
+        <a:xfrm>
+          <a:off x="0" y="0"/>
+          <a:ext cx="0" cy="0"/>
+          <a:chOff x="0" y="0"/>
+          <a:chExt cx="0" cy="0"/>
+        </a:xfrm>
+      </p:grpSpPr>
+      <p:cxnSp>
+        <p:nvCxnSpPr>
+          <p:cNvPr id="4" name="Straight Arrow Connector 3">
+            <a:extLst>
+              <a:ext uri="{FF2B5EF4-FFF2-40B4-BE49-F238E27FC236}">
+                <a16:creationId xmlns:a16="http://schemas.microsoft.com/office/drawing/2014/main" id="{27DE4C80-0D45-4BCB-B53E-1472E26FE8A8}"/>
+              </a:ext>
+            </a:extLst>
+          </p:cNvPr>
+          <p:cNvCxnSpPr>
+            <a:cxnSpLocks/>
+          </p:cNvCxnSpPr>
+          <p:nvPr/>
+        </p:nvCxnSpPr>
+        <p:spPr>
+          <a:xfrm>
+            <a:off x="4420998" y="4882392"/>
+            <a:ext cx="2600820" cy="0"/>
+          </a:xfrm>
+          <a:prstGeom prst="straightConnector1">
+            <a:avLst/>
+          </a:prstGeom>
+          <a:ln>
+            <a:tailEnd type="triangle"/>
+          </a:ln>
+        </p:spPr>
+        <p:style>
+          <a:lnRef idx="3">
+            <a:schemeClr val="dk1"/>
+          </a:lnRef>
+          <a:fillRef idx="0">
+            <a:schemeClr val="dk1"/>
+          </a:fillRef>
+          <a:effectRef idx="2">
+            <a:schemeClr val="dk1"/>
+          </a:effectRef>
+          <a:fontRef idx="minor">
+            <a:schemeClr val="tx1"/>
+          </a:fontRef>
+        </p:style>
+      </p:cxnSp>
+      <p:cxnSp>
+        <p:nvCxnSpPr>
+          <p:cNvPr id="5" name="Straight Arrow Connector 4">
+            <a:extLst>
+              <a:ext uri="{FF2B5EF4-FFF2-40B4-BE49-F238E27FC236}">
+                <a16:creationId xmlns:a16="http://schemas.microsoft.com/office/drawing/2014/main" id="{57E3BA5C-2459-496F-9FCA-0BD3F510BB0F}"/>
+              </a:ext>
+            </a:extLst>
+          </p:cNvPr>
+          <p:cNvCxnSpPr>
+            <a:cxnSpLocks/>
+          </p:cNvCxnSpPr>
+          <p:nvPr/>
+        </p:nvCxnSpPr>
+        <p:spPr>
+          <a:xfrm rot="16200000">
+            <a:off x="3128278" y="3581982"/>
+            <a:ext cx="2600820" cy="0"/>
+          </a:xfrm>
+          <a:prstGeom prst="straightConnector1">
+            <a:avLst/>
+          </a:prstGeom>
+          <a:ln>
+            <a:tailEnd type="triangle"/>
+          </a:ln>
+        </p:spPr>
+        <p:style>
+          <a:lnRef idx="3">
+            <a:schemeClr val="dk1"/>
+          </a:lnRef>
+          <a:fillRef idx="0">
+            <a:schemeClr val="dk1"/>
+          </a:fillRef>
+          <a:effectRef idx="2">
+            <a:schemeClr val="dk1"/>
+          </a:effectRef>
+          <a:fontRef idx="minor">
+            <a:schemeClr val="tx1"/>
+          </a:fontRef>
+        </p:style>
+      </p:cxnSp>
+      <p:pic>
+        <p:nvPicPr>
+          <p:cNvPr id="11" name="Picture 10" descr="Chart&#10;&#10;Description automatically generated">
+            <a:extLst>
+              <a:ext uri="{FF2B5EF4-FFF2-40B4-BE49-F238E27FC236}">
+                <a16:creationId xmlns:a16="http://schemas.microsoft.com/office/drawing/2014/main" id="{026E7F1B-4FCA-4EAA-B4D5-54F79B1AA253}"/>
+              </a:ext>
+            </a:extLst>
+          </p:cNvPr>
+          <p:cNvPicPr>
+            <a:picLocks noChangeAspect="1"/>
+          </p:cNvPicPr>
+          <p:nvPr/>
+        </p:nvPicPr>
+        <p:blipFill>
+          <a:blip r:embed="rId2">
+            <a:extLst>
+              <a:ext uri="{28A0092B-C50C-407E-A947-70E740481C1C}">
+                <a14:useLocalDpi xmlns:a14="http://schemas.microsoft.com/office/drawing/2010/main" val="0"/>
+              </a:ext>
+            </a:extLst>
+          </a:blip>
+          <a:stretch>
+            <a:fillRect/>
+          </a:stretch>
+        </p:blipFill>
+        <p:spPr>
+          <a:xfrm>
+            <a:off x="4436379" y="2281572"/>
+            <a:ext cx="2600820" cy="2600820"/>
+          </a:xfrm>
+          <a:prstGeom prst="rect">
+            <a:avLst/>
+          </a:prstGeom>
+        </p:spPr>
+      </p:pic>
+    </p:spTree>
+    <p:extLst>
+      <p:ext uri="{BB962C8B-B14F-4D97-AF65-F5344CB8AC3E}">
+        <p14:creationId xmlns:p14="http://schemas.microsoft.com/office/powerpoint/2010/main" val="4196853867"/>
+      </p:ext>
+    </p:extLst>
+  </p:cSld>
+  <p:clrMapOvr>
+    <a:masterClrMapping/>
+  </p:clrMapOvr>
+</p:sld>
+</file>
+
+<file path=ppt/slides/slide6.xml><?xml version="1.0" encoding="utf-8"?>
+<p:sld xmlns:a="http://schemas.openxmlformats.org/drawingml/2006/main" xmlns:r="http://schemas.openxmlformats.org/officeDocument/2006/relationships" xmlns:p="http://schemas.openxmlformats.org/presentationml/2006/main">
+  <p:cSld>
+    <p:spTree>
+      <p:nvGrpSpPr>
+        <p:cNvPr id="1" name=""/>
+        <p:cNvGrpSpPr/>
+        <p:nvPr/>
+      </p:nvGrpSpPr>
+      <p:grpSpPr>
+        <a:xfrm>
+          <a:off x="0" y="0"/>
+          <a:ext cx="0" cy="0"/>
+          <a:chOff x="0" y="0"/>
+          <a:chExt cx="0" cy="0"/>
+        </a:xfrm>
+      </p:grpSpPr>
+      <p:cxnSp>
+        <p:nvCxnSpPr>
+          <p:cNvPr id="4" name="Straight Arrow Connector 3">
+            <a:extLst>
+              <a:ext uri="{FF2B5EF4-FFF2-40B4-BE49-F238E27FC236}">
+                <a16:creationId xmlns:a16="http://schemas.microsoft.com/office/drawing/2014/main" id="{EE2B21FD-64CD-4009-AF8E-7EA9B16837B9}"/>
+              </a:ext>
+            </a:extLst>
+          </p:cNvPr>
+          <p:cNvCxnSpPr>
+            <a:cxnSpLocks/>
+          </p:cNvCxnSpPr>
+          <p:nvPr/>
+        </p:nvCxnSpPr>
+        <p:spPr>
+          <a:xfrm>
+            <a:off x="3825380" y="5125673"/>
+            <a:ext cx="3526329" cy="0"/>
+          </a:xfrm>
+          <a:prstGeom prst="straightConnector1">
+            <a:avLst/>
+          </a:prstGeom>
+          <a:ln>
+            <a:tailEnd type="triangle"/>
+          </a:ln>
+        </p:spPr>
+        <p:style>
+          <a:lnRef idx="3">
+            <a:schemeClr val="dk1"/>
+          </a:lnRef>
+          <a:fillRef idx="0">
+            <a:schemeClr val="dk1"/>
+          </a:fillRef>
+          <a:effectRef idx="2">
+            <a:schemeClr val="dk1"/>
+          </a:effectRef>
+          <a:fontRef idx="minor">
+            <a:schemeClr val="tx1"/>
+          </a:fontRef>
+        </p:style>
+      </p:cxnSp>
+      <p:cxnSp>
+        <p:nvCxnSpPr>
+          <p:cNvPr id="5" name="Straight Arrow Connector 4">
+            <a:extLst>
+              <a:ext uri="{FF2B5EF4-FFF2-40B4-BE49-F238E27FC236}">
+                <a16:creationId xmlns:a16="http://schemas.microsoft.com/office/drawing/2014/main" id="{9B03CA50-6448-43EB-AE70-A507037A63D5}"/>
+              </a:ext>
+            </a:extLst>
+          </p:cNvPr>
+          <p:cNvCxnSpPr>
+            <a:cxnSpLocks/>
+          </p:cNvCxnSpPr>
+          <p:nvPr/>
+        </p:nvCxnSpPr>
+        <p:spPr>
+          <a:xfrm rot="16200000">
+            <a:off x="2532660" y="3825263"/>
+            <a:ext cx="2600820" cy="0"/>
+          </a:xfrm>
+          <a:prstGeom prst="straightConnector1">
+            <a:avLst/>
+          </a:prstGeom>
+          <a:ln>
+            <a:tailEnd type="triangle"/>
+          </a:ln>
+        </p:spPr>
+        <p:style>
+          <a:lnRef idx="3">
+            <a:schemeClr val="dk1"/>
+          </a:lnRef>
+          <a:fillRef idx="0">
+            <a:schemeClr val="dk1"/>
+          </a:fillRef>
+          <a:effectRef idx="2">
+            <a:schemeClr val="dk1"/>
+          </a:effectRef>
+          <a:fontRef idx="minor">
+            <a:schemeClr val="tx1"/>
+          </a:fontRef>
+        </p:style>
+      </p:cxnSp>
+      <p:pic>
+        <p:nvPicPr>
+          <p:cNvPr id="7" name="Picture 6" descr="A picture containing histogram&#10;&#10;Description automatically generated">
+            <a:extLst>
+              <a:ext uri="{FF2B5EF4-FFF2-40B4-BE49-F238E27FC236}">
+                <a16:creationId xmlns:a16="http://schemas.microsoft.com/office/drawing/2014/main" id="{6193DCF5-6D5C-4208-9045-1BF19A143B22}"/>
+              </a:ext>
+            </a:extLst>
+          </p:cNvPr>
+          <p:cNvPicPr>
+            <a:picLocks noChangeAspect="1"/>
+          </p:cNvPicPr>
+          <p:nvPr/>
+        </p:nvPicPr>
+        <p:blipFill>
+          <a:blip r:embed="rId2">
+            <a:extLst>
+              <a:ext uri="{28A0092B-C50C-407E-A947-70E740481C1C}">
+                <a14:useLocalDpi xmlns:a14="http://schemas.microsoft.com/office/drawing/2010/main" val="0"/>
+              </a:ext>
+            </a:extLst>
+          </a:blip>
+          <a:stretch>
+            <a:fillRect/>
+          </a:stretch>
+        </p:blipFill>
+        <p:spPr>
+          <a:xfrm>
+            <a:off x="3776071" y="2874388"/>
+            <a:ext cx="3575638" cy="2200054"/>
+          </a:xfrm>
+          <a:prstGeom prst="rect">
+            <a:avLst/>
+          </a:prstGeom>
+        </p:spPr>
+      </p:pic>
+    </p:spTree>
+    <p:extLst>
+      <p:ext uri="{BB962C8B-B14F-4D97-AF65-F5344CB8AC3E}">
+        <p14:creationId xmlns:p14="http://schemas.microsoft.com/office/powerpoint/2010/main" val="1177442597"/>
+      </p:ext>
+    </p:extLst>
+  </p:cSld>
+  <p:clrMapOvr>
+    <a:masterClrMapping/>
+  </p:clrMapOvr>
+</p:sld>
+</file>
+
 <file path=ppt/theme/theme1.xml><?xml version="1.0" encoding="utf-8"?>
 <a:theme xmlns:a="http://schemas.openxmlformats.org/drawingml/2006/main" name="Office Theme">
   <a:themeElements>
